--- a/document/outline.pptx
+++ b/document/outline.pptx
@@ -5,15 +5,16 @@
     <p:sldMasterId id="2147483648" r:id="rId1"/>
   </p:sldMasterIdLst>
   <p:notesMasterIdLst>
-    <p:notesMasterId r:id="rId8"/>
+    <p:notesMasterId r:id="rId9"/>
   </p:notesMasterIdLst>
   <p:sldIdLst>
     <p:sldId id="307" r:id="rId2"/>
     <p:sldId id="330" r:id="rId3"/>
     <p:sldId id="331" r:id="rId4"/>
-    <p:sldId id="332" r:id="rId5"/>
-    <p:sldId id="333" r:id="rId6"/>
-    <p:sldId id="334" r:id="rId7"/>
+    <p:sldId id="335" r:id="rId5"/>
+    <p:sldId id="332" r:id="rId6"/>
+    <p:sldId id="333" r:id="rId7"/>
+    <p:sldId id="334" r:id="rId8"/>
   </p:sldIdLst>
   <p:sldSz cx="12192000" cy="6858000"/>
   <p:notesSz cx="6797675" cy="9928225"/>
@@ -120,6 +121,7 @@
             <p14:sldId id="307"/>
             <p14:sldId id="330"/>
             <p14:sldId id="331"/>
+            <p14:sldId id="335"/>
             <p14:sldId id="332"/>
             <p14:sldId id="333"/>
             <p14:sldId id="334"/>
@@ -353,7 +355,7 @@
           <a:p>
             <a:fld id="{278EEAA6-7FCA-46E4-BA89-848786702478}" type="datetimeFigureOut">
               <a:rPr lang="ko-KR" altLang="en-US" smtClean="0"/>
-              <a:t>2023-03-30</a:t>
+              <a:t>2023. 3. 30.</a:t>
             </a:fld>
             <a:endParaRPr lang="ko-KR" altLang="en-US"/>
           </a:p>
@@ -862,7 +864,7 @@
     </p:spTree>
     <p:extLst>
       <p:ext uri="{BB962C8B-B14F-4D97-AF65-F5344CB8AC3E}">
-        <p14:creationId xmlns:p14="http://schemas.microsoft.com/office/powerpoint/2010/main" val="377688033"/>
+        <p14:creationId xmlns:p14="http://schemas.microsoft.com/office/powerpoint/2010/main" val="66739431"/>
       </p:ext>
     </p:extLst>
   </p:cSld>
@@ -946,7 +948,7 @@
     </p:spTree>
     <p:extLst>
       <p:ext uri="{BB962C8B-B14F-4D97-AF65-F5344CB8AC3E}">
-        <p14:creationId xmlns:p14="http://schemas.microsoft.com/office/powerpoint/2010/main" val="1912489081"/>
+        <p14:creationId xmlns:p14="http://schemas.microsoft.com/office/powerpoint/2010/main" val="377688033"/>
       </p:ext>
     </p:extLst>
   </p:cSld>
@@ -1022,6 +1024,90 @@
             <a:fld id="{E3424E09-0461-4960-93DF-3C5FAFE56315}" type="slidenum">
               <a:rPr lang="ko-KR" altLang="en-US" smtClean="0"/>
               <a:t>6</a:t>
+            </a:fld>
+            <a:endParaRPr lang="ko-KR" altLang="en-US"/>
+          </a:p>
+        </p:txBody>
+      </p:sp>
+    </p:spTree>
+    <p:extLst>
+      <p:ext uri="{BB962C8B-B14F-4D97-AF65-F5344CB8AC3E}">
+        <p14:creationId xmlns:p14="http://schemas.microsoft.com/office/powerpoint/2010/main" val="1912489081"/>
+      </p:ext>
+    </p:extLst>
+  </p:cSld>
+  <p:clrMapOvr>
+    <a:masterClrMapping/>
+  </p:clrMapOvr>
+</p:notes>
+</file>
+
+<file path=ppt/notesSlides/notesSlide6.xml><?xml version="1.0" encoding="utf-8"?>
+<p:notes xmlns:a="http://schemas.openxmlformats.org/drawingml/2006/main" xmlns:r="http://schemas.openxmlformats.org/officeDocument/2006/relationships" xmlns:p="http://schemas.openxmlformats.org/presentationml/2006/main">
+  <p:cSld>
+    <p:spTree>
+      <p:nvGrpSpPr>
+        <p:cNvPr id="1" name=""/>
+        <p:cNvGrpSpPr/>
+        <p:nvPr/>
+      </p:nvGrpSpPr>
+      <p:grpSpPr>
+        <a:xfrm>
+          <a:off x="0" y="0"/>
+          <a:ext cx="0" cy="0"/>
+          <a:chOff x="0" y="0"/>
+          <a:chExt cx="0" cy="0"/>
+        </a:xfrm>
+      </p:grpSpPr>
+      <p:sp>
+        <p:nvSpPr>
+          <p:cNvPr id="2" name="슬라이드 이미지 개체 틀 1"/>
+          <p:cNvSpPr>
+            <a:spLocks noGrp="1" noRot="1" noChangeAspect="1"/>
+          </p:cNvSpPr>
+          <p:nvPr>
+            <p:ph type="sldImg"/>
+          </p:nvPr>
+        </p:nvSpPr>
+        <p:spPr/>
+      </p:sp>
+      <p:sp>
+        <p:nvSpPr>
+          <p:cNvPr id="3" name="슬라이드 노트 개체 틀 2"/>
+          <p:cNvSpPr>
+            <a:spLocks noGrp="1"/>
+          </p:cNvSpPr>
+          <p:nvPr>
+            <p:ph type="body" idx="1"/>
+          </p:nvPr>
+        </p:nvSpPr>
+        <p:spPr/>
+        <p:txBody>
+          <a:bodyPr/>
+          <a:lstStyle/>
+          <a:p>
+            <a:endParaRPr kumimoji="1" lang="ko-Kore-KR" altLang="en-US" dirty="0"/>
+          </a:p>
+        </p:txBody>
+      </p:sp>
+      <p:sp>
+        <p:nvSpPr>
+          <p:cNvPr id="4" name="슬라이드 번호 개체 틀 3"/>
+          <p:cNvSpPr>
+            <a:spLocks noGrp="1"/>
+          </p:cNvSpPr>
+          <p:nvPr>
+            <p:ph type="sldNum" sz="quarter" idx="5"/>
+          </p:nvPr>
+        </p:nvSpPr>
+        <p:spPr/>
+        <p:txBody>
+          <a:bodyPr/>
+          <a:lstStyle/>
+          <a:p>
+            <a:fld id="{E3424E09-0461-4960-93DF-3C5FAFE56315}" type="slidenum">
+              <a:rPr lang="ko-KR" altLang="en-US" smtClean="0"/>
+              <a:t>7</a:t>
             </a:fld>
             <a:endParaRPr lang="ko-KR" altLang="en-US"/>
           </a:p>
@@ -1187,7 +1273,7 @@
           <a:p>
             <a:fld id="{7CAE4A5B-EA50-4A37-A5DB-83CF8B769BA8}" type="datetime1">
               <a:rPr lang="ko-KR" altLang="en-US" smtClean="0"/>
-              <a:t>2023-03-30</a:t>
+              <a:t>2023. 3. 30.</a:t>
             </a:fld>
             <a:endParaRPr lang="ko-KR" altLang="en-US"/>
           </a:p>
@@ -1385,7 +1471,7 @@
           <a:p>
             <a:fld id="{9161804F-A4F0-45C6-8263-8E92672AE24F}" type="datetime1">
               <a:rPr lang="ko-KR" altLang="en-US" smtClean="0"/>
-              <a:t>2023-03-30</a:t>
+              <a:t>2023. 3. 30.</a:t>
             </a:fld>
             <a:endParaRPr lang="ko-KR" altLang="en-US"/>
           </a:p>
@@ -1593,7 +1679,7 @@
           <a:p>
             <a:fld id="{408B7902-B623-4505-847A-8F959D37202D}" type="datetime1">
               <a:rPr lang="ko-KR" altLang="en-US" smtClean="0"/>
-              <a:t>2023-03-30</a:t>
+              <a:t>2023. 3. 30.</a:t>
             </a:fld>
             <a:endParaRPr lang="ko-KR" altLang="en-US"/>
           </a:p>
@@ -1855,7 +1941,7 @@
           <a:p>
             <a:fld id="{B33A0EBF-B8FA-46FE-9A33-688790427F5A}" type="datetime1">
               <a:rPr lang="ko-KR" altLang="en-US" smtClean="0"/>
-              <a:t>2023-03-30</a:t>
+              <a:t>2023. 3. 30.</a:t>
             </a:fld>
             <a:endParaRPr lang="ko-KR" altLang="en-US"/>
           </a:p>
@@ -2174,7 +2260,7 @@
           <a:p>
             <a:fld id="{C1EEAA46-00AF-4A93-B29C-03A14440DF77}" type="datetime1">
               <a:rPr lang="ko-KR" altLang="en-US" smtClean="0"/>
-              <a:t>2023-03-30</a:t>
+              <a:t>2023. 3. 30.</a:t>
             </a:fld>
             <a:endParaRPr lang="ko-KR" altLang="en-US"/>
           </a:p>
@@ -2439,7 +2525,7 @@
           <a:p>
             <a:fld id="{E049F58D-0561-4F18-8EAC-5F94EDD54A2B}" type="datetime1">
               <a:rPr lang="ko-KR" altLang="en-US" smtClean="0"/>
-              <a:t>2023-03-30</a:t>
+              <a:t>2023. 3. 30.</a:t>
             </a:fld>
             <a:endParaRPr lang="ko-KR" altLang="en-US"/>
           </a:p>
@@ -2851,7 +2937,7 @@
           <a:p>
             <a:fld id="{0FA9DF00-1249-4920-9807-BFB4C9748C0D}" type="datetime1">
               <a:rPr lang="ko-KR" altLang="en-US" smtClean="0"/>
-              <a:t>2023-03-30</a:t>
+              <a:t>2023. 3. 30.</a:t>
             </a:fld>
             <a:endParaRPr lang="ko-KR" altLang="en-US"/>
           </a:p>
@@ -2992,7 +3078,7 @@
           <a:p>
             <a:fld id="{B43D90DB-FDA5-4E45-B0AF-168E78970A03}" type="datetime1">
               <a:rPr lang="ko-KR" altLang="en-US" smtClean="0"/>
-              <a:t>2023-03-30</a:t>
+              <a:t>2023. 3. 30.</a:t>
             </a:fld>
             <a:endParaRPr lang="ko-KR" altLang="en-US"/>
           </a:p>
@@ -3105,7 +3191,7 @@
           <a:p>
             <a:fld id="{90B5EACD-2952-4831-BB4C-52AA33B36109}" type="datetime1">
               <a:rPr lang="ko-KR" altLang="en-US" smtClean="0"/>
-              <a:t>2023-03-30</a:t>
+              <a:t>2023. 3. 30.</a:t>
             </a:fld>
             <a:endParaRPr lang="ko-KR" altLang="en-US"/>
           </a:p>
@@ -3416,7 +3502,7 @@
           <a:p>
             <a:fld id="{683928F4-3C7A-440C-A1BA-64042E5BB63B}" type="datetime1">
               <a:rPr lang="ko-KR" altLang="en-US" smtClean="0"/>
-              <a:t>2023-03-30</a:t>
+              <a:t>2023. 3. 30.</a:t>
             </a:fld>
             <a:endParaRPr lang="ko-KR" altLang="en-US"/>
           </a:p>
@@ -3704,7 +3790,7 @@
           <a:p>
             <a:fld id="{A6C85B86-9D77-405B-96F3-8FA03801D458}" type="datetime1">
               <a:rPr lang="ko-KR" altLang="en-US" smtClean="0"/>
-              <a:t>2023-03-30</a:t>
+              <a:t>2023. 3. 30.</a:t>
             </a:fld>
             <a:endParaRPr lang="ko-KR" altLang="en-US"/>
           </a:p>
@@ -3945,7 +4031,7 @@
           <a:p>
             <a:fld id="{74E560CD-E3B1-4A94-B498-66FF918E3537}" type="datetime1">
               <a:rPr lang="ko-KR" altLang="en-US" smtClean="0"/>
-              <a:t>2023-03-30</a:t>
+              <a:t>2023. 3. 30.</a:t>
             </a:fld>
             <a:endParaRPr lang="ko-KR" altLang="en-US"/>
           </a:p>
@@ -4631,6 +4717,428 @@
             <a:pPr>
               <a:buSzPct val="100000"/>
             </a:pPr>
+            <a:r>
+              <a:rPr lang="en-US" altLang="ko-KR" dirty="0">
+                <a:latin typeface="+mn-ea"/>
+              </a:rPr>
+              <a:t>AI </a:t>
+            </a:r>
+            <a:r>
+              <a:rPr lang="ko-KR" altLang="en-US" dirty="0">
+                <a:latin typeface="+mn-ea"/>
+              </a:rPr>
+              <a:t>프로젝트는 대개 </a:t>
+            </a:r>
+            <a:r>
+              <a:rPr lang="en-US" altLang="ko-KR" dirty="0">
+                <a:latin typeface="+mn-ea"/>
+              </a:rPr>
+              <a:t>CV(</a:t>
+            </a:r>
+            <a:r>
+              <a:rPr lang="ko-KR" altLang="en-US" dirty="0">
+                <a:latin typeface="+mn-ea"/>
+              </a:rPr>
+              <a:t>컴퓨터 비전</a:t>
+            </a:r>
+            <a:r>
+              <a:rPr lang="en-US" altLang="ko-KR" dirty="0">
+                <a:latin typeface="+mn-ea"/>
+              </a:rPr>
+              <a:t>)</a:t>
+            </a:r>
+            <a:r>
+              <a:rPr lang="ko-KR" altLang="en-US" dirty="0">
+                <a:latin typeface="+mn-ea"/>
+              </a:rPr>
+              <a:t> </a:t>
+            </a:r>
+            <a:r>
+              <a:rPr lang="en-US" altLang="ko-KR" dirty="0">
+                <a:latin typeface="+mn-ea"/>
+              </a:rPr>
+              <a:t>/</a:t>
+            </a:r>
+            <a:r>
+              <a:rPr lang="ko-KR" altLang="en-US" dirty="0">
+                <a:latin typeface="+mn-ea"/>
+              </a:rPr>
+              <a:t> </a:t>
+            </a:r>
+            <a:r>
+              <a:rPr lang="en-US" altLang="ko-KR" dirty="0">
+                <a:latin typeface="+mn-ea"/>
+              </a:rPr>
+              <a:t>NIP(</a:t>
+            </a:r>
+            <a:r>
+              <a:rPr lang="ko-KR" altLang="en-US" dirty="0">
+                <a:latin typeface="+mn-ea"/>
+              </a:rPr>
+              <a:t>자연어 처리</a:t>
+            </a:r>
+            <a:r>
+              <a:rPr lang="en-US" altLang="ko-KR" dirty="0">
+                <a:latin typeface="+mn-ea"/>
+              </a:rPr>
+              <a:t>)</a:t>
+            </a:r>
+            <a:r>
+              <a:rPr lang="ko-KR" altLang="en-US" dirty="0">
+                <a:latin typeface="+mn-ea"/>
+              </a:rPr>
+              <a:t>로 구분됨</a:t>
+            </a:r>
+            <a:endParaRPr lang="en-US" altLang="ko-KR" dirty="0">
+              <a:latin typeface="+mn-ea"/>
+            </a:endParaRPr>
+          </a:p>
+          <a:p>
+            <a:pPr lvl="1">
+              <a:buSzPct val="100000"/>
+            </a:pPr>
+            <a:r>
+              <a:rPr lang="ko-KR" altLang="en-US" dirty="0">
+                <a:latin typeface="+mn-ea"/>
+              </a:rPr>
+              <a:t>이번에는 </a:t>
+            </a:r>
+            <a:r>
+              <a:rPr lang="en-US" altLang="ko-KR" dirty="0">
+                <a:latin typeface="+mn-ea"/>
+              </a:rPr>
+              <a:t>CV</a:t>
+            </a:r>
+            <a:r>
+              <a:rPr lang="ko-KR" altLang="en-US" dirty="0">
+                <a:latin typeface="+mn-ea"/>
+              </a:rPr>
+              <a:t> </a:t>
+            </a:r>
+            <a:r>
+              <a:rPr lang="en-US" altLang="ko-KR" dirty="0">
+                <a:latin typeface="+mn-ea"/>
+              </a:rPr>
+              <a:t>Project </a:t>
+            </a:r>
+            <a:r>
+              <a:rPr lang="ko-KR" altLang="en-US" dirty="0">
+                <a:latin typeface="+mn-ea"/>
+              </a:rPr>
+              <a:t>진행 계획</a:t>
+            </a:r>
+            <a:endParaRPr lang="en-US" altLang="ko-KR" dirty="0">
+              <a:latin typeface="+mn-ea"/>
+            </a:endParaRPr>
+          </a:p>
+          <a:p>
+            <a:pPr lvl="1">
+              <a:buSzPct val="100000"/>
+            </a:pPr>
+            <a:r>
+              <a:rPr lang="en-US" altLang="ko-KR" dirty="0">
+                <a:latin typeface="+mn-ea"/>
+              </a:rPr>
+              <a:t>Classification </a:t>
+            </a:r>
+            <a:r>
+              <a:rPr lang="ko-KR" altLang="en-US" dirty="0">
+                <a:latin typeface="+mn-ea"/>
+              </a:rPr>
+              <a:t>관련 기술을 사용할 계획</a:t>
+            </a:r>
+            <a:endParaRPr lang="en-US" altLang="ko-KR" dirty="0">
+              <a:latin typeface="+mn-ea"/>
+            </a:endParaRPr>
+          </a:p>
+          <a:p>
+            <a:pPr lvl="2">
+              <a:buSzPct val="100000"/>
+            </a:pPr>
+            <a:r>
+              <a:rPr lang="ko-KR" altLang="en-US" dirty="0">
+                <a:latin typeface="+mn-ea"/>
+              </a:rPr>
+              <a:t>성능 좋은 </a:t>
+            </a:r>
+            <a:r>
+              <a:rPr lang="en-US" altLang="ko-KR" dirty="0">
+                <a:latin typeface="+mn-ea"/>
+              </a:rPr>
+              <a:t>Open Source</a:t>
+            </a:r>
+            <a:r>
+              <a:rPr lang="ko-KR" altLang="en-US" dirty="0">
+                <a:latin typeface="+mn-ea"/>
+              </a:rPr>
+              <a:t>가 많이 공개되어 있음 </a:t>
+            </a:r>
+            <a:r>
+              <a:rPr lang="en-US" altLang="ko-KR" dirty="0">
+                <a:latin typeface="+mn-ea"/>
+              </a:rPr>
+              <a:t>(</a:t>
+            </a:r>
+            <a:r>
+              <a:rPr lang="ko-KR" altLang="en-US" dirty="0">
+                <a:latin typeface="+mn-ea"/>
+              </a:rPr>
+              <a:t>대부분 </a:t>
+            </a:r>
+            <a:r>
+              <a:rPr lang="en-US" altLang="ko-KR" dirty="0">
+                <a:latin typeface="+mn-ea"/>
+              </a:rPr>
+              <a:t>MIT License)</a:t>
+            </a:r>
+          </a:p>
+          <a:p>
+            <a:pPr marL="914400" lvl="2" indent="0">
+              <a:buSzPct val="100000"/>
+              <a:buNone/>
+            </a:pPr>
+            <a:endParaRPr lang="en-US" altLang="ko-KR" dirty="0">
+              <a:latin typeface="+mn-ea"/>
+            </a:endParaRPr>
+          </a:p>
+          <a:p>
+            <a:pPr>
+              <a:buSzPct val="100000"/>
+            </a:pPr>
+            <a:r>
+              <a:rPr lang="en-US" altLang="ko-KR" dirty="0">
+                <a:latin typeface="+mn-ea"/>
+              </a:rPr>
+              <a:t>AI </a:t>
+            </a:r>
+            <a:r>
+              <a:rPr lang="ko-KR" altLang="en-US" dirty="0">
+                <a:latin typeface="+mn-ea"/>
+              </a:rPr>
+              <a:t>경진대회와는 성격이 다름</a:t>
+            </a:r>
+            <a:endParaRPr lang="en-US" altLang="ko-KR" dirty="0">
+              <a:latin typeface="+mn-ea"/>
+            </a:endParaRPr>
+          </a:p>
+          <a:p>
+            <a:pPr lvl="1">
+              <a:buSzPct val="100000"/>
+            </a:pPr>
+            <a:r>
+              <a:rPr lang="en-US" altLang="ko-KR" dirty="0">
+                <a:latin typeface="+mn-ea"/>
+              </a:rPr>
+              <a:t>AI </a:t>
+            </a:r>
+            <a:r>
+              <a:rPr lang="ko-KR" altLang="en-US" dirty="0">
+                <a:latin typeface="+mn-ea"/>
+              </a:rPr>
+              <a:t>경진대회 </a:t>
+            </a:r>
+            <a:r>
+              <a:rPr lang="en-US" altLang="ko-KR" dirty="0">
+                <a:latin typeface="+mn-ea"/>
+              </a:rPr>
+              <a:t>:</a:t>
+            </a:r>
+            <a:r>
+              <a:rPr lang="ko-KR" altLang="en-US" dirty="0">
+                <a:latin typeface="+mn-ea"/>
+              </a:rPr>
+              <a:t> 사용 모델의 성능</a:t>
+            </a:r>
+            <a:r>
+              <a:rPr lang="en-US" altLang="ko-KR" dirty="0">
+                <a:latin typeface="+mn-ea"/>
+              </a:rPr>
+              <a:t>(</a:t>
+            </a:r>
+            <a:r>
+              <a:rPr lang="ko-KR" altLang="en-US" dirty="0">
+                <a:latin typeface="+mn-ea"/>
+              </a:rPr>
+              <a:t>효율성</a:t>
+            </a:r>
+            <a:r>
+              <a:rPr lang="en-US" altLang="ko-KR" dirty="0">
+                <a:latin typeface="+mn-ea"/>
+              </a:rPr>
+              <a:t>,</a:t>
+            </a:r>
+            <a:r>
+              <a:rPr lang="ko-KR" altLang="en-US" dirty="0">
+                <a:latin typeface="+mn-ea"/>
+              </a:rPr>
+              <a:t> 정확도 등</a:t>
+            </a:r>
+            <a:r>
+              <a:rPr lang="en-US" altLang="ko-KR" dirty="0">
+                <a:latin typeface="+mn-ea"/>
+              </a:rPr>
+              <a:t>)</a:t>
+            </a:r>
+            <a:r>
+              <a:rPr lang="ko-KR" altLang="en-US" dirty="0">
+                <a:latin typeface="+mn-ea"/>
+              </a:rPr>
+              <a:t>을 얼마나 잘 분석하고 적용했는가</a:t>
+            </a:r>
+            <a:endParaRPr lang="en-US" altLang="ko-KR" dirty="0">
+              <a:latin typeface="+mn-ea"/>
+            </a:endParaRPr>
+          </a:p>
+          <a:p>
+            <a:pPr lvl="1">
+              <a:buSzPct val="100000"/>
+            </a:pPr>
+            <a:r>
+              <a:rPr lang="en-US" altLang="ko-KR" dirty="0">
+                <a:latin typeface="+mn-ea"/>
+              </a:rPr>
+              <a:t>OSS Project</a:t>
+            </a:r>
+            <a:r>
+              <a:rPr lang="ko-KR" altLang="en-US" dirty="0">
+                <a:latin typeface="+mn-ea"/>
+              </a:rPr>
+              <a:t> </a:t>
+            </a:r>
+            <a:r>
+              <a:rPr lang="en-US" altLang="ko-KR" dirty="0">
+                <a:latin typeface="+mn-ea"/>
+              </a:rPr>
+              <a:t>:</a:t>
+            </a:r>
+            <a:r>
+              <a:rPr lang="ko-KR" altLang="en-US" dirty="0">
+                <a:latin typeface="+mn-ea"/>
+              </a:rPr>
+              <a:t> 사용자가 얼마나 편의성을 느낄지</a:t>
+            </a:r>
+            <a:r>
+              <a:rPr lang="en-US" altLang="ko-KR" dirty="0">
+                <a:latin typeface="+mn-ea"/>
+              </a:rPr>
+              <a:t>,</a:t>
+            </a:r>
+            <a:r>
+              <a:rPr lang="ko-KR" altLang="en-US" dirty="0">
+                <a:latin typeface="+mn-ea"/>
+              </a:rPr>
+              <a:t> 퀄리티가 좋을지</a:t>
+            </a:r>
+            <a:r>
+              <a:rPr lang="en-US" altLang="ko-KR" dirty="0">
+                <a:latin typeface="+mn-ea"/>
+              </a:rPr>
+              <a:t>,</a:t>
+            </a:r>
+            <a:r>
+              <a:rPr lang="ko-KR" altLang="en-US" dirty="0">
+                <a:latin typeface="+mn-ea"/>
+              </a:rPr>
+              <a:t> 참신한지</a:t>
+            </a:r>
+            <a:endParaRPr lang="en-US" altLang="ko-KR" dirty="0">
+              <a:latin typeface="+mn-ea"/>
+            </a:endParaRPr>
+          </a:p>
+          <a:p>
+            <a:pPr lvl="2">
+              <a:buSzPct val="100000"/>
+            </a:pPr>
+            <a:r>
+              <a:rPr lang="ko-KR" altLang="en-US" dirty="0">
+                <a:latin typeface="+mn-ea"/>
+              </a:rPr>
+              <a:t>따라서</a:t>
+            </a:r>
+            <a:r>
+              <a:rPr lang="en-US" altLang="ko-KR" dirty="0">
+                <a:latin typeface="+mn-ea"/>
+              </a:rPr>
+              <a:t>,</a:t>
+            </a:r>
+            <a:r>
+              <a:rPr lang="ko-KR" altLang="en-US" dirty="0">
+                <a:latin typeface="+mn-ea"/>
+              </a:rPr>
+              <a:t> </a:t>
+            </a:r>
+            <a:r>
+              <a:rPr lang="en-US" altLang="ko-KR" dirty="0">
+                <a:latin typeface="+mn-ea"/>
+              </a:rPr>
+              <a:t>User</a:t>
+            </a:r>
+            <a:r>
+              <a:rPr lang="ko-KR" altLang="en-US" dirty="0">
+                <a:latin typeface="+mn-ea"/>
+              </a:rPr>
+              <a:t>가 편하게 사용할 수 있도록 웹 </a:t>
+            </a:r>
+            <a:r>
+              <a:rPr lang="en-US" altLang="ko-KR" dirty="0">
+                <a:latin typeface="+mn-ea"/>
+              </a:rPr>
+              <a:t>or</a:t>
+            </a:r>
+            <a:r>
+              <a:rPr lang="ko-KR" altLang="en-US" dirty="0">
+                <a:latin typeface="+mn-ea"/>
+              </a:rPr>
+              <a:t> 앱 개발도 필요함</a:t>
+            </a:r>
+            <a:endParaRPr lang="en-US" altLang="ko-KR" dirty="0">
+              <a:latin typeface="+mn-ea"/>
+            </a:endParaRPr>
+          </a:p>
+          <a:p>
+            <a:pPr lvl="2">
+              <a:buSzPct val="100000"/>
+            </a:pPr>
+            <a:endParaRPr lang="en-US" altLang="ko-KR" dirty="0">
+              <a:latin typeface="+mn-ea"/>
+            </a:endParaRPr>
+          </a:p>
+          <a:p>
+            <a:pPr lvl="2">
+              <a:buSzPct val="100000"/>
+            </a:pPr>
+            <a:endParaRPr lang="en-US" altLang="ko-KR" dirty="0">
+              <a:latin typeface="+mn-ea"/>
+            </a:endParaRPr>
+          </a:p>
+          <a:p>
+            <a:pPr lvl="1">
+              <a:buSzPct val="100000"/>
+            </a:pPr>
+            <a:endParaRPr lang="en-US" altLang="ko-KR" dirty="0">
+              <a:latin typeface="+mn-ea"/>
+            </a:endParaRPr>
+          </a:p>
+          <a:p>
+            <a:pPr lvl="1">
+              <a:buSzPct val="100000"/>
+            </a:pPr>
+            <a:endParaRPr lang="en-US" altLang="ko-KR" dirty="0">
+              <a:latin typeface="+mn-ea"/>
+            </a:endParaRPr>
+          </a:p>
+          <a:p>
+            <a:pPr lvl="2">
+              <a:buSzPct val="100000"/>
+            </a:pPr>
+            <a:endParaRPr lang="en-US" altLang="ko-KR" dirty="0">
+              <a:latin typeface="+mn-ea"/>
+            </a:endParaRPr>
+          </a:p>
+          <a:p>
+            <a:pPr lvl="1">
+              <a:buSzPct val="100000"/>
+            </a:pPr>
             <a:endParaRPr lang="en-US" altLang="ko-KR" dirty="0">
               <a:latin typeface="+mn-ea"/>
             </a:endParaRPr>
@@ -4731,10 +5239,264 @@
             <a:pPr>
               <a:buSzPct val="100000"/>
             </a:pPr>
+            <a:r>
+              <a:rPr lang="en-US" altLang="ko-KR" dirty="0">
+                <a:latin typeface="+mn-ea"/>
+              </a:rPr>
+              <a:t>OSS </a:t>
+            </a:r>
+            <a:r>
+              <a:rPr lang="ko-KR" altLang="en-US" dirty="0">
+                <a:latin typeface="+mn-ea"/>
+              </a:rPr>
+              <a:t>프로젝트 수업에서 성과를 내기 위해서는</a:t>
+            </a:r>
+            <a:r>
+              <a:rPr lang="en-US" altLang="ko-KR" dirty="0">
+                <a:latin typeface="+mn-ea"/>
+              </a:rPr>
+              <a:t>..</a:t>
+            </a:r>
+          </a:p>
+          <a:p>
+            <a:pPr lvl="1">
+              <a:buSzPct val="100000"/>
+            </a:pPr>
+            <a:r>
+              <a:rPr lang="ko-KR" altLang="en-US" dirty="0">
+                <a:latin typeface="+mn-ea"/>
+              </a:rPr>
+              <a:t>간단한 웹</a:t>
+            </a:r>
+            <a:r>
+              <a:rPr lang="en-US" altLang="ko-KR" dirty="0">
+                <a:latin typeface="+mn-ea"/>
+              </a:rPr>
+              <a:t>/</a:t>
+            </a:r>
+            <a:r>
+              <a:rPr lang="ko-KR" altLang="en-US" dirty="0">
+                <a:latin typeface="+mn-ea"/>
+              </a:rPr>
+              <a:t>앱</a:t>
+            </a:r>
+            <a:r>
+              <a:rPr lang="en-US" altLang="ko-KR" dirty="0">
+                <a:latin typeface="+mn-ea"/>
+              </a:rPr>
+              <a:t>/</a:t>
+            </a:r>
+            <a:r>
+              <a:rPr lang="ko-KR" altLang="en-US" dirty="0" err="1">
+                <a:latin typeface="+mn-ea"/>
+              </a:rPr>
+              <a:t>챗봇</a:t>
+            </a:r>
+            <a:r>
+              <a:rPr lang="ko-KR" altLang="en-US" dirty="0">
+                <a:latin typeface="+mn-ea"/>
+              </a:rPr>
+              <a:t> 프로젝트를 진행해서는 안된다 </a:t>
+            </a:r>
+            <a:r>
+              <a:rPr lang="en-US" altLang="ko-KR" dirty="0">
+                <a:latin typeface="+mn-ea"/>
+              </a:rPr>
+              <a:t>(</a:t>
+            </a:r>
+            <a:r>
+              <a:rPr lang="ko-KR" altLang="en-US" dirty="0">
+                <a:latin typeface="+mn-ea"/>
+              </a:rPr>
+              <a:t>이미 공지된 내용</a:t>
+            </a:r>
+            <a:r>
+              <a:rPr lang="en-US" altLang="ko-KR" dirty="0">
+                <a:latin typeface="+mn-ea"/>
+              </a:rPr>
+              <a:t>)</a:t>
+            </a:r>
+          </a:p>
+          <a:p>
+            <a:pPr lvl="1">
+              <a:buSzPct val="100000"/>
+            </a:pPr>
+            <a:r>
+              <a:rPr lang="ko-KR" altLang="en-US" dirty="0">
+                <a:latin typeface="+mn-ea"/>
+              </a:rPr>
+              <a:t>프로젝트 결과물에 모든 인원이 기여해야 하며</a:t>
+            </a:r>
             <a:endParaRPr lang="en-US" altLang="ko-KR" dirty="0">
               <a:latin typeface="+mn-ea"/>
             </a:endParaRPr>
           </a:p>
+          <a:p>
+            <a:pPr lvl="1">
+              <a:buSzPct val="100000"/>
+            </a:pPr>
+            <a:r>
+              <a:rPr lang="ko-KR" altLang="en-US" dirty="0">
+                <a:latin typeface="+mn-ea"/>
+              </a:rPr>
+              <a:t>아이디어는 독창적이고 기술은 효율적이어야 한다</a:t>
+            </a:r>
+            <a:endParaRPr lang="en-US" altLang="ko-KR" dirty="0">
+              <a:latin typeface="+mn-ea"/>
+            </a:endParaRPr>
+          </a:p>
+          <a:p>
+            <a:pPr lvl="1">
+              <a:buSzPct val="100000"/>
+            </a:pPr>
+            <a:endParaRPr lang="en-US" altLang="ko-KR" dirty="0">
+              <a:latin typeface="+mn-ea"/>
+            </a:endParaRPr>
+          </a:p>
+          <a:p>
+            <a:pPr>
+              <a:buSzPct val="100000"/>
+            </a:pPr>
+            <a:r>
+              <a:rPr lang="ko-KR" altLang="en-US" dirty="0">
+                <a:latin typeface="+mn-ea"/>
+              </a:rPr>
+              <a:t>아이디어 제언 </a:t>
+            </a:r>
+            <a:r>
+              <a:rPr lang="en-US" altLang="ko-KR" dirty="0">
+                <a:latin typeface="+mn-ea"/>
+              </a:rPr>
+              <a:t>/</a:t>
+            </a:r>
+            <a:r>
+              <a:rPr lang="ko-KR" altLang="en-US" dirty="0">
+                <a:latin typeface="+mn-ea"/>
+              </a:rPr>
+              <a:t> 선택</a:t>
+            </a:r>
+            <a:endParaRPr lang="en-US" altLang="ko-KR" dirty="0">
+              <a:latin typeface="+mn-ea"/>
+            </a:endParaRPr>
+          </a:p>
+          <a:p>
+            <a:pPr lvl="1">
+              <a:buSzPct val="100000"/>
+            </a:pPr>
+            <a:r>
+              <a:rPr lang="ko-KR" altLang="en-US" dirty="0">
+                <a:latin typeface="+mn-ea"/>
+              </a:rPr>
+              <a:t>각자의 아이디어를 </a:t>
+            </a:r>
+            <a:r>
+              <a:rPr lang="en-US" altLang="ko-KR" dirty="0">
+                <a:latin typeface="+mn-ea"/>
+              </a:rPr>
+              <a:t>‘</a:t>
+            </a:r>
+            <a:r>
+              <a:rPr lang="ko-KR" altLang="en-US" dirty="0">
+                <a:latin typeface="+mn-ea"/>
+              </a:rPr>
+              <a:t>브레인스토밍</a:t>
+            </a:r>
+            <a:r>
+              <a:rPr lang="en-US" altLang="ko-KR" dirty="0">
+                <a:latin typeface="+mn-ea"/>
+              </a:rPr>
+              <a:t>’</a:t>
+            </a:r>
+            <a:r>
+              <a:rPr lang="ko-KR" altLang="en-US" dirty="0">
+                <a:latin typeface="+mn-ea"/>
+              </a:rPr>
+              <a:t> 방식으로 제언</a:t>
+            </a:r>
+            <a:endParaRPr lang="en-US" altLang="ko-KR" dirty="0">
+              <a:latin typeface="+mn-ea"/>
+            </a:endParaRPr>
+          </a:p>
+          <a:p>
+            <a:pPr lvl="1">
+              <a:buSzPct val="100000"/>
+            </a:pPr>
+            <a:r>
+              <a:rPr lang="ko-KR" altLang="en-US" dirty="0">
+                <a:latin typeface="+mn-ea"/>
+              </a:rPr>
+              <a:t>아이디어 제안자는 다른 팀원들에 본인의 아이디어를 설득하기 위한 발표를 진행</a:t>
+            </a:r>
+            <a:endParaRPr lang="en-US" altLang="ko-KR" dirty="0">
+              <a:latin typeface="+mn-ea"/>
+            </a:endParaRPr>
+          </a:p>
+          <a:p>
+            <a:pPr lvl="1">
+              <a:buSzPct val="100000"/>
+            </a:pPr>
+            <a:r>
+              <a:rPr lang="ko-KR" altLang="en-US" dirty="0">
+                <a:latin typeface="+mn-ea"/>
+              </a:rPr>
+              <a:t>최종적으로</a:t>
+            </a:r>
+            <a:r>
+              <a:rPr lang="en-US" altLang="ko-KR" dirty="0">
+                <a:latin typeface="+mn-ea"/>
+              </a:rPr>
+              <a:t>,</a:t>
+            </a:r>
+            <a:r>
+              <a:rPr lang="ko-KR" altLang="en-US" dirty="0">
+                <a:latin typeface="+mn-ea"/>
+              </a:rPr>
+              <a:t> 모두의 투표를 통해 아이디어 선택할 것</a:t>
+            </a:r>
+            <a:endParaRPr lang="en-US" altLang="ko-KR" dirty="0">
+              <a:latin typeface="+mn-ea"/>
+            </a:endParaRPr>
+          </a:p>
+          <a:p>
+            <a:pPr lvl="2">
+              <a:buSzPct val="100000"/>
+            </a:pPr>
+            <a:endParaRPr lang="en-US" altLang="ko-KR" dirty="0">
+              <a:latin typeface="+mn-ea"/>
+            </a:endParaRPr>
+          </a:p>
+          <a:p>
+            <a:pPr lvl="1">
+              <a:buSzPct val="100000"/>
+            </a:pPr>
+            <a:endParaRPr lang="en-US" altLang="ko-KR" dirty="0">
+              <a:latin typeface="+mn-ea"/>
+            </a:endParaRPr>
+          </a:p>
+          <a:p>
+            <a:pPr lvl="1">
+              <a:buSzPct val="100000"/>
+            </a:pPr>
+            <a:endParaRPr lang="en-US" altLang="ko-KR" dirty="0">
+              <a:latin typeface="+mn-ea"/>
+            </a:endParaRPr>
+          </a:p>
+          <a:p>
+            <a:pPr lvl="2">
+              <a:buSzPct val="100000"/>
+            </a:pPr>
+            <a:endParaRPr lang="en-US" altLang="ko-KR" dirty="0">
+              <a:latin typeface="+mn-ea"/>
+            </a:endParaRPr>
+          </a:p>
+          <a:p>
+            <a:pPr lvl="1">
+              <a:buSzPct val="100000"/>
+            </a:pPr>
+            <a:endParaRPr lang="en-US" altLang="ko-KR" dirty="0">
+              <a:latin typeface="+mn-ea"/>
+            </a:endParaRPr>
+          </a:p>
         </p:txBody>
       </p:sp>
       <p:sp>
@@ -4755,16 +5517,14 @@
         </p:nvSpPr>
         <p:spPr/>
         <p:txBody>
-          <a:bodyPr>
-            <a:normAutofit/>
-          </a:bodyPr>
+          <a:bodyPr/>
           <a:lstStyle/>
           <a:p>
             <a:r>
               <a:rPr lang="en-US" altLang="ko-KR" dirty="0">
                 <a:latin typeface="+mj-ea"/>
               </a:rPr>
-              <a:t> Language</a:t>
+              <a:t> About</a:t>
             </a:r>
             <a:endParaRPr lang="ko-KR" altLang="en-US" dirty="0">
               <a:latin typeface="+mj-ea"/>
@@ -4775,7 +5535,7 @@
     </p:spTree>
     <p:extLst>
       <p:ext uri="{BB962C8B-B14F-4D97-AF65-F5344CB8AC3E}">
-        <p14:creationId xmlns:p14="http://schemas.microsoft.com/office/powerpoint/2010/main" val="3719493876"/>
+        <p14:creationId xmlns:p14="http://schemas.microsoft.com/office/powerpoint/2010/main" val="1791431057"/>
       </p:ext>
     </p:extLst>
   </p:cSld>
@@ -4833,10 +5593,390 @@
             <a:pPr>
               <a:buSzPct val="100000"/>
             </a:pPr>
+            <a:r>
+              <a:rPr lang="en-US" altLang="ko-KR" dirty="0">
+                <a:latin typeface="+mn-ea"/>
+              </a:rPr>
+              <a:t>Python</a:t>
+            </a:r>
+          </a:p>
+          <a:p>
+            <a:pPr lvl="1">
+              <a:buSzPct val="100000"/>
+            </a:pPr>
+            <a:r>
+              <a:rPr lang="ko-KR" altLang="en-US" dirty="0">
+                <a:latin typeface="+mn-ea"/>
+              </a:rPr>
+              <a:t>대부분의 </a:t>
+            </a:r>
+            <a:r>
+              <a:rPr lang="en-US" altLang="ko-KR" dirty="0">
+                <a:latin typeface="+mn-ea"/>
+              </a:rPr>
+              <a:t>CV</a:t>
+            </a:r>
+            <a:r>
+              <a:rPr lang="ko-KR" altLang="en-US" dirty="0">
+                <a:latin typeface="+mn-ea"/>
+              </a:rPr>
+              <a:t> 프로젝트</a:t>
+            </a:r>
+            <a:r>
+              <a:rPr lang="en-US" altLang="ko-KR" dirty="0">
+                <a:latin typeface="+mn-ea"/>
+              </a:rPr>
+              <a:t>(</a:t>
+            </a:r>
+            <a:r>
+              <a:rPr lang="ko-KR" altLang="en-US" dirty="0">
+                <a:latin typeface="+mn-ea"/>
+              </a:rPr>
+              <a:t>전부라고 봐도 무방</a:t>
+            </a:r>
+            <a:r>
+              <a:rPr lang="en-US" altLang="ko-KR" dirty="0">
+                <a:latin typeface="+mn-ea"/>
+              </a:rPr>
+              <a:t>)</a:t>
+            </a:r>
+            <a:r>
+              <a:rPr lang="ko-KR" altLang="en-US" dirty="0">
+                <a:latin typeface="+mn-ea"/>
+              </a:rPr>
+              <a:t> 는 </a:t>
+            </a:r>
+            <a:r>
+              <a:rPr lang="en-US" altLang="ko-KR" dirty="0">
+                <a:latin typeface="+mn-ea"/>
+              </a:rPr>
+              <a:t>Python</a:t>
+            </a:r>
+            <a:r>
+              <a:rPr lang="ko-KR" altLang="en-US" dirty="0">
+                <a:latin typeface="+mn-ea"/>
+              </a:rPr>
+              <a:t>을 사용하여 구현됨</a:t>
+            </a:r>
             <a:endParaRPr lang="en-US" altLang="ko-KR" dirty="0">
               <a:latin typeface="+mn-ea"/>
             </a:endParaRPr>
           </a:p>
+          <a:p>
+            <a:pPr lvl="1">
+              <a:buSzPct val="100000"/>
+            </a:pPr>
+            <a:r>
+              <a:rPr lang="ko-KR" altLang="en-US" dirty="0">
+                <a:latin typeface="+mn-ea"/>
+              </a:rPr>
+              <a:t>특히</a:t>
+            </a:r>
+            <a:r>
+              <a:rPr lang="en-US" altLang="ko-KR" dirty="0">
+                <a:latin typeface="+mn-ea"/>
+              </a:rPr>
+              <a:t>,</a:t>
+            </a:r>
+            <a:r>
+              <a:rPr lang="ko-KR" altLang="en-US" dirty="0">
+                <a:latin typeface="+mn-ea"/>
+              </a:rPr>
+              <a:t> 프로젝트 성능 테스트를 위해 </a:t>
+            </a:r>
+            <a:r>
+              <a:rPr lang="en-US" altLang="ko-KR" dirty="0">
+                <a:latin typeface="+mn-ea"/>
+              </a:rPr>
+              <a:t>TensorFlow</a:t>
+            </a:r>
+            <a:r>
+              <a:rPr lang="ko-KR" altLang="en-US" dirty="0">
+                <a:latin typeface="+mn-ea"/>
+              </a:rPr>
+              <a:t> </a:t>
+            </a:r>
+            <a:r>
+              <a:rPr lang="en-US" altLang="ko-KR" dirty="0">
+                <a:latin typeface="+mn-ea"/>
+              </a:rPr>
+              <a:t>/</a:t>
+            </a:r>
+            <a:r>
+              <a:rPr lang="ko-KR" altLang="en-US" dirty="0">
+                <a:latin typeface="+mn-ea"/>
+              </a:rPr>
+              <a:t> </a:t>
+            </a:r>
+            <a:r>
+              <a:rPr lang="en-US" altLang="ko-KR" dirty="0" err="1">
+                <a:latin typeface="+mn-ea"/>
+              </a:rPr>
+              <a:t>PyTorch</a:t>
+            </a:r>
+            <a:r>
+              <a:rPr lang="ko-KR" altLang="en-US" dirty="0" err="1">
+                <a:latin typeface="+mn-ea"/>
+              </a:rPr>
+              <a:t>를</a:t>
+            </a:r>
+            <a:r>
+              <a:rPr lang="ko-KR" altLang="en-US" dirty="0">
+                <a:latin typeface="+mn-ea"/>
+              </a:rPr>
+              <a:t> 사용할 것</a:t>
+            </a:r>
+            <a:endParaRPr lang="en-US" altLang="ko-KR" dirty="0">
+              <a:latin typeface="+mn-ea"/>
+            </a:endParaRPr>
+          </a:p>
+          <a:p>
+            <a:pPr lvl="2">
+              <a:buSzPct val="100000"/>
+            </a:pPr>
+            <a:r>
+              <a:rPr lang="ko-KR" altLang="en-US" dirty="0">
+                <a:latin typeface="+mn-ea"/>
+              </a:rPr>
+              <a:t>두 </a:t>
+            </a:r>
+            <a:r>
+              <a:rPr lang="en-US" altLang="ko-KR" dirty="0">
+                <a:latin typeface="+mn-ea"/>
+              </a:rPr>
+              <a:t>Technique</a:t>
+            </a:r>
+            <a:r>
+              <a:rPr lang="ko-KR" altLang="en-US" dirty="0">
+                <a:latin typeface="+mn-ea"/>
+              </a:rPr>
+              <a:t>은 </a:t>
+            </a:r>
+            <a:r>
+              <a:rPr lang="en-US" altLang="ko-KR" dirty="0">
+                <a:latin typeface="+mn-ea"/>
+              </a:rPr>
+              <a:t>Python</a:t>
+            </a:r>
+            <a:r>
+              <a:rPr lang="ko-KR" altLang="en-US" dirty="0">
+                <a:latin typeface="+mn-ea"/>
+              </a:rPr>
+              <a:t>을 기본 언어로 채택하여 구동됨</a:t>
+            </a:r>
+            <a:endParaRPr lang="en-US" altLang="ko-KR" dirty="0">
+              <a:latin typeface="+mn-ea"/>
+            </a:endParaRPr>
+          </a:p>
+          <a:p>
+            <a:pPr lvl="2">
+              <a:buSzPct val="100000"/>
+            </a:pPr>
+            <a:endParaRPr lang="en-US" altLang="ko-KR" dirty="0">
+              <a:latin typeface="+mn-ea"/>
+            </a:endParaRPr>
+          </a:p>
+          <a:p>
+            <a:pPr>
+              <a:buSzPct val="100000"/>
+            </a:pPr>
+            <a:r>
+              <a:rPr lang="en-US" altLang="ko-KR" dirty="0">
+                <a:latin typeface="+mn-ea"/>
+              </a:rPr>
+              <a:t>React / React Native</a:t>
+            </a:r>
+          </a:p>
+          <a:p>
+            <a:pPr lvl="1">
+              <a:buSzPct val="100000"/>
+            </a:pPr>
+            <a:r>
+              <a:rPr lang="ko-KR" altLang="en-US" dirty="0">
+                <a:latin typeface="+mn-ea"/>
+              </a:rPr>
+              <a:t>내부 로직은 </a:t>
+            </a:r>
+            <a:r>
+              <a:rPr lang="en-US" altLang="ko-KR" dirty="0">
+                <a:latin typeface="+mn-ea"/>
+              </a:rPr>
+              <a:t>Python</a:t>
+            </a:r>
+            <a:r>
+              <a:rPr lang="ko-KR" altLang="en-US" dirty="0">
+                <a:latin typeface="+mn-ea"/>
+              </a:rPr>
+              <a:t>을 이용하여 구현할 것이지만</a:t>
+            </a:r>
+            <a:r>
+              <a:rPr lang="en-US" altLang="ko-KR" dirty="0">
+                <a:latin typeface="+mn-ea"/>
+              </a:rPr>
+              <a:t>..</a:t>
+            </a:r>
+          </a:p>
+          <a:p>
+            <a:pPr lvl="1">
+              <a:buSzPct val="100000"/>
+            </a:pPr>
+            <a:r>
+              <a:rPr lang="ko-KR" altLang="en-US" dirty="0">
+                <a:latin typeface="+mn-ea"/>
+              </a:rPr>
+              <a:t>이를 </a:t>
+            </a:r>
+            <a:r>
+              <a:rPr lang="en-US" altLang="ko-KR" dirty="0">
+                <a:latin typeface="+mn-ea"/>
+              </a:rPr>
+              <a:t>User</a:t>
+            </a:r>
+            <a:r>
+              <a:rPr lang="ko-KR" altLang="en-US" dirty="0">
+                <a:latin typeface="+mn-ea"/>
+              </a:rPr>
+              <a:t>가 사용하기 쉽게 만들기 위해선 접근성을 쉽게 유도해줘야 함</a:t>
+            </a:r>
+            <a:endParaRPr lang="en-US" altLang="ko-KR" dirty="0">
+              <a:latin typeface="+mn-ea"/>
+            </a:endParaRPr>
+          </a:p>
+          <a:p>
+            <a:pPr lvl="2">
+              <a:buSzPct val="100000"/>
+            </a:pPr>
+            <a:r>
+              <a:rPr lang="ko-KR" altLang="en-US" dirty="0">
+                <a:latin typeface="+mn-ea"/>
+              </a:rPr>
+              <a:t>성능 좋은 로직을 이용한 프로그램 제작을 위해</a:t>
+            </a:r>
+            <a:r>
+              <a:rPr lang="en-US" altLang="ko-KR" dirty="0">
+                <a:latin typeface="+mn-ea"/>
+              </a:rPr>
+              <a:t>,</a:t>
+            </a:r>
+            <a:r>
+              <a:rPr lang="ko-KR" altLang="en-US" dirty="0">
+                <a:latin typeface="+mn-ea"/>
+              </a:rPr>
+              <a:t> </a:t>
+            </a:r>
+            <a:r>
+              <a:rPr lang="en-US" altLang="ko-KR" dirty="0">
+                <a:latin typeface="+mn-ea"/>
+              </a:rPr>
+              <a:t>Web / App</a:t>
+            </a:r>
+            <a:r>
+              <a:rPr lang="ko-KR" altLang="en-US" dirty="0">
+                <a:latin typeface="+mn-ea"/>
+              </a:rPr>
+              <a:t> 개발 계획</a:t>
+            </a:r>
+            <a:endParaRPr lang="en-US" altLang="ko-KR" dirty="0">
+              <a:latin typeface="+mn-ea"/>
+            </a:endParaRPr>
+          </a:p>
+          <a:p>
+            <a:pPr lvl="2">
+              <a:buSzPct val="100000"/>
+            </a:pPr>
+            <a:r>
+              <a:rPr lang="en-US" altLang="ko-KR" dirty="0">
+                <a:latin typeface="+mn-ea"/>
+              </a:rPr>
+              <a:t>React Native</a:t>
+            </a:r>
+            <a:r>
+              <a:rPr lang="ko-KR" altLang="en-US" dirty="0">
+                <a:latin typeface="+mn-ea"/>
+              </a:rPr>
+              <a:t>는 효과적인 </a:t>
+            </a:r>
+            <a:r>
+              <a:rPr lang="ko-KR" altLang="en-US" dirty="0" err="1">
+                <a:latin typeface="+mn-ea"/>
+              </a:rPr>
+              <a:t>웹앱</a:t>
+            </a:r>
+            <a:r>
+              <a:rPr lang="ko-KR" altLang="en-US" dirty="0">
+                <a:latin typeface="+mn-ea"/>
+              </a:rPr>
+              <a:t> 제작 스택이므로</a:t>
+            </a:r>
+            <a:r>
+              <a:rPr lang="en-US" altLang="ko-KR" dirty="0">
+                <a:latin typeface="+mn-ea"/>
+              </a:rPr>
+              <a:t>,</a:t>
+            </a:r>
+            <a:r>
+              <a:rPr lang="ko-KR" altLang="en-US" dirty="0">
+                <a:latin typeface="+mn-ea"/>
+              </a:rPr>
+              <a:t> 웬만하면 </a:t>
+            </a:r>
+            <a:r>
+              <a:rPr lang="en-US" altLang="ko-KR" dirty="0">
+                <a:latin typeface="+mn-ea"/>
+              </a:rPr>
+              <a:t>React Native</a:t>
+            </a:r>
+            <a:r>
+              <a:rPr lang="ko-KR" altLang="en-US" dirty="0">
+                <a:latin typeface="+mn-ea"/>
+              </a:rPr>
+              <a:t> 사용할 생각</a:t>
+            </a:r>
+            <a:endParaRPr lang="en-US" altLang="ko-KR" dirty="0">
+              <a:latin typeface="+mn-ea"/>
+            </a:endParaRPr>
+          </a:p>
+          <a:p>
+            <a:pPr lvl="3">
+              <a:buSzPct val="100000"/>
+            </a:pPr>
+            <a:r>
+              <a:rPr lang="ko-KR" altLang="en-US" dirty="0">
+                <a:latin typeface="+mn-ea"/>
+              </a:rPr>
+              <a:t>부득이한 상황에는 </a:t>
+            </a:r>
+            <a:r>
+              <a:rPr lang="en-US" altLang="ko-KR" dirty="0">
+                <a:latin typeface="+mn-ea"/>
+              </a:rPr>
+              <a:t>Android Studio</a:t>
+            </a:r>
+            <a:r>
+              <a:rPr lang="ko-KR" altLang="en-US" dirty="0">
+                <a:latin typeface="+mn-ea"/>
+              </a:rPr>
+              <a:t> 사용할 생각도 있긴 한데</a:t>
+            </a:r>
+            <a:r>
+              <a:rPr lang="en-US" altLang="ko-KR" dirty="0">
+                <a:latin typeface="+mn-ea"/>
+              </a:rPr>
+              <a:t>,</a:t>
+            </a:r>
+            <a:r>
+              <a:rPr lang="ko-KR" altLang="en-US" dirty="0">
+                <a:latin typeface="+mn-ea"/>
+              </a:rPr>
+              <a:t> 웬만하면 지양할 것</a:t>
+            </a:r>
+            <a:r>
+              <a:rPr lang="en-US" altLang="ko-KR" dirty="0">
+                <a:latin typeface="+mn-ea"/>
+              </a:rPr>
+              <a:t>!</a:t>
+            </a:r>
+          </a:p>
         </p:txBody>
       </p:sp>
       <p:sp>
@@ -4866,7 +6006,7 @@
               <a:rPr lang="en-US" altLang="ko-KR" dirty="0">
                 <a:latin typeface="+mj-ea"/>
               </a:rPr>
-              <a:t> Technique</a:t>
+              <a:t> Language</a:t>
             </a:r>
             <a:endParaRPr lang="ko-KR" altLang="en-US" dirty="0">
               <a:latin typeface="+mj-ea"/>
@@ -4877,7 +6017,7 @@
     </p:spTree>
     <p:extLst>
       <p:ext uri="{BB962C8B-B14F-4D97-AF65-F5344CB8AC3E}">
-        <p14:creationId xmlns:p14="http://schemas.microsoft.com/office/powerpoint/2010/main" val="3950305819"/>
+        <p14:creationId xmlns:p14="http://schemas.microsoft.com/office/powerpoint/2010/main" val="3719493876"/>
       </p:ext>
     </p:extLst>
   </p:cSld>
@@ -4928,16 +6068,640 @@
         </p:spPr>
         <p:txBody>
           <a:bodyPr>
-            <a:normAutofit/>
+            <a:normAutofit fontScale="85000" lnSpcReduction="10000"/>
           </a:bodyPr>
           <a:lstStyle/>
           <a:p>
             <a:pPr>
               <a:buSzPct val="100000"/>
             </a:pPr>
+            <a:r>
+              <a:rPr lang="en-US" altLang="ko-KR" dirty="0">
+                <a:latin typeface="+mn-ea"/>
+              </a:rPr>
+              <a:t>TensorFlow / </a:t>
+            </a:r>
+            <a:r>
+              <a:rPr lang="en-US" altLang="ko-KR" dirty="0" err="1">
+                <a:latin typeface="+mn-ea"/>
+              </a:rPr>
+              <a:t>PyTorch</a:t>
+            </a:r>
             <a:endParaRPr lang="en-US" altLang="ko-KR" dirty="0">
               <a:latin typeface="+mn-ea"/>
             </a:endParaRPr>
+          </a:p>
+          <a:p>
+            <a:pPr lvl="1">
+              <a:buSzPct val="100000"/>
+            </a:pPr>
+            <a:r>
+              <a:rPr lang="ko-KR" altLang="en-US" dirty="0">
+                <a:latin typeface="+mn-ea"/>
+              </a:rPr>
+              <a:t>내부 로직의 성능 테스트 및 효과적인 구현을 위해 꼭 필요</a:t>
+            </a:r>
+            <a:endParaRPr lang="en-US" altLang="ko-KR" dirty="0">
+              <a:latin typeface="+mn-ea"/>
+            </a:endParaRPr>
+          </a:p>
+          <a:p>
+            <a:pPr lvl="1">
+              <a:buSzPct val="100000"/>
+            </a:pPr>
+            <a:r>
+              <a:rPr lang="ko-KR" altLang="en-US" dirty="0">
+                <a:latin typeface="+mn-ea"/>
+              </a:rPr>
+              <a:t>주로 </a:t>
+            </a:r>
+            <a:r>
+              <a:rPr lang="en-US" altLang="ko-KR" dirty="0" err="1">
+                <a:latin typeface="+mn-ea"/>
+              </a:rPr>
+              <a:t>PyTorch</a:t>
+            </a:r>
+            <a:r>
+              <a:rPr lang="ko-KR" altLang="en-US" dirty="0" err="1">
+                <a:latin typeface="+mn-ea"/>
+              </a:rPr>
+              <a:t>를</a:t>
+            </a:r>
+            <a:r>
+              <a:rPr lang="ko-KR" altLang="en-US" dirty="0">
+                <a:latin typeface="+mn-ea"/>
+              </a:rPr>
+              <a:t> 사용하여 개발해왔지만</a:t>
+            </a:r>
+            <a:r>
+              <a:rPr lang="en-US" altLang="ko-KR" dirty="0">
+                <a:latin typeface="+mn-ea"/>
+              </a:rPr>
+              <a:t>,</a:t>
+            </a:r>
+            <a:r>
+              <a:rPr lang="ko-KR" altLang="en-US" dirty="0">
+                <a:latin typeface="+mn-ea"/>
+              </a:rPr>
+              <a:t> 성능 테스트용이 아닌 개발용으로는 </a:t>
+            </a:r>
+            <a:r>
+              <a:rPr lang="en-US" altLang="ko-KR" dirty="0" err="1">
+                <a:latin typeface="+mn-ea"/>
+              </a:rPr>
+              <a:t>Tensorflow</a:t>
+            </a:r>
+            <a:r>
+              <a:rPr lang="ko-KR" altLang="en-US" dirty="0">
+                <a:latin typeface="+mn-ea"/>
+              </a:rPr>
+              <a:t>가 더 적합하다는 의견도 있어 고민 중</a:t>
+            </a:r>
+            <a:endParaRPr lang="en-US" altLang="ko-KR" dirty="0">
+              <a:latin typeface="+mn-ea"/>
+            </a:endParaRPr>
+          </a:p>
+          <a:p>
+            <a:pPr lvl="2">
+              <a:buSzPct val="100000"/>
+            </a:pPr>
+            <a:r>
+              <a:rPr lang="ko-KR" altLang="en-US" dirty="0">
+                <a:latin typeface="+mn-ea"/>
+              </a:rPr>
+              <a:t>적용할 로직이 어떤 </a:t>
+            </a:r>
+            <a:r>
+              <a:rPr lang="en-US" altLang="ko-KR" dirty="0">
+                <a:latin typeface="+mn-ea"/>
+              </a:rPr>
+              <a:t>Technique </a:t>
+            </a:r>
+            <a:r>
+              <a:rPr lang="ko-KR" altLang="en-US" dirty="0">
+                <a:latin typeface="+mn-ea"/>
+              </a:rPr>
+              <a:t>기반으로 개발되었는지에 따라 결정할 생각</a:t>
+            </a:r>
+            <a:endParaRPr lang="en-US" altLang="ko-KR" dirty="0">
+              <a:latin typeface="+mn-ea"/>
+            </a:endParaRPr>
+          </a:p>
+          <a:p>
+            <a:pPr>
+              <a:buSzPct val="100000"/>
+            </a:pPr>
+            <a:r>
+              <a:rPr lang="en-US" altLang="ko-KR" dirty="0">
+                <a:latin typeface="+mn-ea"/>
+              </a:rPr>
+              <a:t>JIRA</a:t>
+            </a:r>
+          </a:p>
+          <a:p>
+            <a:pPr lvl="1">
+              <a:buSzPct val="100000"/>
+            </a:pPr>
+            <a:r>
+              <a:rPr lang="ko-KR" altLang="en-US" dirty="0">
+                <a:latin typeface="+mn-ea"/>
+              </a:rPr>
+              <a:t>필수적으로 사용해야 하는 </a:t>
+            </a:r>
+            <a:r>
+              <a:rPr lang="en-US" altLang="ko-KR" dirty="0">
+                <a:latin typeface="+mn-ea"/>
+              </a:rPr>
+              <a:t>’</a:t>
+            </a:r>
+            <a:r>
+              <a:rPr lang="ko-KR" altLang="en-US" dirty="0">
+                <a:latin typeface="+mn-ea"/>
+              </a:rPr>
+              <a:t>애자일 방법론 기반</a:t>
+            </a:r>
+            <a:r>
+              <a:rPr lang="en-US" altLang="ko-KR" dirty="0">
+                <a:latin typeface="+mn-ea"/>
+              </a:rPr>
+              <a:t>’</a:t>
+            </a:r>
+            <a:r>
+              <a:rPr lang="ko-KR" altLang="en-US" dirty="0">
+                <a:latin typeface="+mn-ea"/>
+              </a:rPr>
+              <a:t> 협업 툴</a:t>
+            </a:r>
+            <a:endParaRPr lang="en-US" altLang="ko-KR" dirty="0">
+              <a:latin typeface="+mn-ea"/>
+            </a:endParaRPr>
+          </a:p>
+          <a:p>
+            <a:pPr lvl="1">
+              <a:buSzPct val="100000"/>
+            </a:pPr>
+            <a:r>
+              <a:rPr lang="en-US" altLang="ko-KR" dirty="0">
+                <a:latin typeface="+mn-ea"/>
+                <a:hlinkClick r:id="rId3"/>
+              </a:rPr>
+              <a:t>https://bootkorea.atlassian.net/jira/software/projects/AIP/boards/1</a:t>
+            </a:r>
+            <a:endParaRPr lang="en-US" altLang="ko-KR" dirty="0">
+              <a:latin typeface="+mn-ea"/>
+            </a:endParaRPr>
+          </a:p>
+          <a:p>
+            <a:pPr lvl="2">
+              <a:buSzPct val="100000"/>
+            </a:pPr>
+            <a:r>
+              <a:rPr lang="ko-KR" altLang="en-US" dirty="0">
+                <a:latin typeface="+mn-ea"/>
+              </a:rPr>
+              <a:t>가입한 이메일 주소 보내주시면 추가하겠음</a:t>
+            </a:r>
+            <a:r>
+              <a:rPr lang="en-US" altLang="ko-KR" dirty="0">
+                <a:latin typeface="+mn-ea"/>
+              </a:rPr>
+              <a:t>!</a:t>
+            </a:r>
+          </a:p>
+          <a:p>
+            <a:pPr>
+              <a:buSzPct val="100000"/>
+            </a:pPr>
+            <a:r>
+              <a:rPr lang="en-US" altLang="ko-KR" dirty="0" err="1">
+                <a:latin typeface="+mn-ea"/>
+              </a:rPr>
+              <a:t>Github</a:t>
+            </a:r>
+            <a:endParaRPr lang="en-US" altLang="ko-KR" dirty="0">
+              <a:latin typeface="+mn-ea"/>
+            </a:endParaRPr>
+          </a:p>
+          <a:p>
+            <a:pPr lvl="1">
+              <a:buSzPct val="100000"/>
+            </a:pPr>
+            <a:r>
+              <a:rPr lang="ko-KR" altLang="en-US" dirty="0">
+                <a:latin typeface="+mn-ea"/>
+              </a:rPr>
+              <a:t>구현한 모든 </a:t>
+            </a:r>
+            <a:r>
+              <a:rPr lang="en-US" altLang="ko-KR" dirty="0">
+                <a:latin typeface="+mn-ea"/>
+              </a:rPr>
+              <a:t>SW </a:t>
+            </a:r>
+            <a:r>
+              <a:rPr lang="ko-KR" altLang="en-US" dirty="0">
+                <a:latin typeface="+mn-ea"/>
+              </a:rPr>
+              <a:t>및 문서는 </a:t>
+            </a:r>
+            <a:r>
+              <a:rPr lang="en-US" altLang="ko-KR" dirty="0" err="1">
+                <a:latin typeface="+mn-ea"/>
+              </a:rPr>
+              <a:t>Github</a:t>
+            </a:r>
+            <a:r>
+              <a:rPr lang="ko-KR" altLang="en-US" dirty="0">
+                <a:latin typeface="+mn-ea"/>
+              </a:rPr>
+              <a:t>에서 업데이트할 것</a:t>
+            </a:r>
+            <a:endParaRPr lang="en-US" altLang="ko-KR" dirty="0">
+              <a:latin typeface="+mn-ea"/>
+            </a:endParaRPr>
+          </a:p>
+          <a:p>
+            <a:pPr lvl="1">
+              <a:buSzPct val="100000"/>
+            </a:pPr>
+            <a:r>
+              <a:rPr lang="en-US" altLang="ko-KR" dirty="0">
+                <a:latin typeface="+mn-ea"/>
+              </a:rPr>
+              <a:t>PPT, Word </a:t>
+            </a:r>
+            <a:r>
+              <a:rPr lang="ko-KR" altLang="en-US" dirty="0">
+                <a:latin typeface="+mn-ea"/>
+              </a:rPr>
+              <a:t>등 모든 것들을 </a:t>
+            </a:r>
+            <a:r>
+              <a:rPr lang="en-US" altLang="ko-KR" dirty="0" err="1">
+                <a:latin typeface="+mn-ea"/>
+              </a:rPr>
+              <a:t>Github</a:t>
+            </a:r>
+            <a:r>
+              <a:rPr lang="ko-KR" altLang="en-US" dirty="0">
+                <a:latin typeface="+mn-ea"/>
+              </a:rPr>
+              <a:t>에 모아둘 것</a:t>
+            </a:r>
+            <a:r>
+              <a:rPr lang="en-US" altLang="ko-KR" dirty="0">
+                <a:latin typeface="+mn-ea"/>
+              </a:rPr>
+              <a:t>.</a:t>
+            </a:r>
+            <a:r>
+              <a:rPr lang="ko-KR" altLang="en-US" dirty="0">
+                <a:latin typeface="+mn-ea"/>
+              </a:rPr>
+              <a:t> 필수 숙지 내용</a:t>
+            </a:r>
+            <a:r>
+              <a:rPr lang="en-US" altLang="ko-KR" dirty="0">
+                <a:latin typeface="+mn-ea"/>
+              </a:rPr>
+              <a:t>!</a:t>
+            </a:r>
+          </a:p>
+          <a:p>
+            <a:pPr lvl="1">
+              <a:buSzPct val="100000"/>
+            </a:pPr>
+            <a:r>
+              <a:rPr lang="en-US" altLang="ko-KR" dirty="0">
+                <a:latin typeface="+mn-ea"/>
+                <a:hlinkClick r:id="rId4"/>
+              </a:rPr>
+              <a:t>https://github.com/bootkorea/AI-Project</a:t>
+            </a:r>
+            <a:endParaRPr lang="en-US" altLang="ko-KR" dirty="0">
+              <a:latin typeface="+mn-ea"/>
+            </a:endParaRPr>
+          </a:p>
+        </p:txBody>
+      </p:sp>
+      <p:sp>
+        <p:nvSpPr>
+          <p:cNvPr id="5" name="제목 4">
+            <a:extLst>
+              <a:ext uri="{FF2B5EF4-FFF2-40B4-BE49-F238E27FC236}">
+                <a16:creationId xmlns:a16="http://schemas.microsoft.com/office/drawing/2014/main" id="{ADF1C269-1BD7-4A5B-8AAE-3FAE0F2F6234}"/>
+              </a:ext>
+            </a:extLst>
+          </p:cNvPr>
+          <p:cNvSpPr>
+            <a:spLocks noGrp="1"/>
+          </p:cNvSpPr>
+          <p:nvPr>
+            <p:ph type="title"/>
+          </p:nvPr>
+        </p:nvSpPr>
+        <p:spPr/>
+        <p:txBody>
+          <a:bodyPr>
+            <a:normAutofit/>
+          </a:bodyPr>
+          <a:lstStyle/>
+          <a:p>
+            <a:r>
+              <a:rPr lang="en-US" altLang="ko-KR" dirty="0">
+                <a:latin typeface="+mj-ea"/>
+              </a:rPr>
+              <a:t> Technique</a:t>
+            </a:r>
+            <a:endParaRPr lang="ko-KR" altLang="en-US" dirty="0">
+              <a:latin typeface="+mj-ea"/>
+            </a:endParaRPr>
+          </a:p>
+        </p:txBody>
+      </p:sp>
+    </p:spTree>
+    <p:extLst>
+      <p:ext uri="{BB962C8B-B14F-4D97-AF65-F5344CB8AC3E}">
+        <p14:creationId xmlns:p14="http://schemas.microsoft.com/office/powerpoint/2010/main" val="3950305819"/>
+      </p:ext>
+    </p:extLst>
+  </p:cSld>
+  <p:clrMapOvr>
+    <a:masterClrMapping/>
+  </p:clrMapOvr>
+</p:sld>
+</file>
+
+<file path=ppt/slides/slide7.xml><?xml version="1.0" encoding="utf-8"?>
+<p:sld xmlns:a="http://schemas.openxmlformats.org/drawingml/2006/main" xmlns:r="http://schemas.openxmlformats.org/officeDocument/2006/relationships" xmlns:p="http://schemas.openxmlformats.org/presentationml/2006/main">
+  <p:cSld>
+    <p:spTree>
+      <p:nvGrpSpPr>
+        <p:cNvPr id="1" name=""/>
+        <p:cNvGrpSpPr/>
+        <p:nvPr/>
+      </p:nvGrpSpPr>
+      <p:grpSpPr>
+        <a:xfrm>
+          <a:off x="0" y="0"/>
+          <a:ext cx="0" cy="0"/>
+          <a:chOff x="0" y="0"/>
+          <a:chExt cx="0" cy="0"/>
+        </a:xfrm>
+      </p:grpSpPr>
+      <p:sp>
+        <p:nvSpPr>
+          <p:cNvPr id="3" name="내용 개체 틀 2">
+            <a:extLst>
+              <a:ext uri="{FF2B5EF4-FFF2-40B4-BE49-F238E27FC236}">
+                <a16:creationId xmlns:a16="http://schemas.microsoft.com/office/drawing/2014/main" id="{852F542F-A331-41D3-A8C5-53C2B7F3ACA6}"/>
+              </a:ext>
+            </a:extLst>
+          </p:cNvPr>
+          <p:cNvSpPr>
+            <a:spLocks noGrp="1"/>
+          </p:cNvSpPr>
+          <p:nvPr>
+            <p:ph idx="1"/>
+          </p:nvPr>
+        </p:nvSpPr>
+        <p:spPr>
+          <a:xfrm>
+            <a:off x="271848" y="757024"/>
+            <a:ext cx="11648303" cy="5814598"/>
+          </a:xfrm>
+        </p:spPr>
+        <p:txBody>
+          <a:bodyPr>
+            <a:normAutofit/>
+          </a:bodyPr>
+          <a:lstStyle/>
+          <a:p>
+            <a:pPr>
+              <a:buSzPct val="100000"/>
+            </a:pPr>
+            <a:r>
+              <a:rPr lang="en-US" altLang="ko-KR" dirty="0">
+                <a:latin typeface="+mn-ea"/>
+              </a:rPr>
+              <a:t>~</a:t>
+            </a:r>
+            <a:r>
+              <a:rPr lang="ko-KR" altLang="en-US" dirty="0">
+                <a:latin typeface="+mn-ea"/>
+              </a:rPr>
+              <a:t> 중간고사</a:t>
+            </a:r>
+            <a:endParaRPr lang="en-US" altLang="ko-KR" dirty="0">
+              <a:latin typeface="+mn-ea"/>
+            </a:endParaRPr>
+          </a:p>
+          <a:p>
+            <a:pPr lvl="1">
+              <a:buSzPct val="100000"/>
+            </a:pPr>
+            <a:r>
+              <a:rPr lang="ko-KR" altLang="en-US" dirty="0">
+                <a:latin typeface="+mn-ea"/>
+              </a:rPr>
+              <a:t>아이디어 선정 </a:t>
+            </a:r>
+            <a:r>
+              <a:rPr lang="en-US" altLang="ko-KR" dirty="0">
+                <a:latin typeface="+mn-ea"/>
+              </a:rPr>
+              <a:t>(4</a:t>
+            </a:r>
+            <a:r>
+              <a:rPr lang="ko-KR" altLang="en-US" dirty="0">
+                <a:latin typeface="+mn-ea"/>
+              </a:rPr>
+              <a:t>월 </a:t>
+            </a:r>
+            <a:r>
+              <a:rPr lang="en-US" altLang="ko-KR" dirty="0">
+                <a:latin typeface="+mn-ea"/>
+              </a:rPr>
+              <a:t>1</a:t>
+            </a:r>
+            <a:r>
+              <a:rPr lang="ko-KR" altLang="en-US" dirty="0">
+                <a:latin typeface="+mn-ea"/>
+              </a:rPr>
+              <a:t>주까지는 완료해야</a:t>
+            </a:r>
+            <a:r>
+              <a:rPr lang="en-US" altLang="ko-KR" dirty="0">
+                <a:latin typeface="+mn-ea"/>
+              </a:rPr>
+              <a:t>)</a:t>
+            </a:r>
+          </a:p>
+          <a:p>
+            <a:pPr lvl="1">
+              <a:buSzPct val="100000"/>
+            </a:pPr>
+            <a:r>
+              <a:rPr lang="ko-KR" altLang="en-US" dirty="0">
+                <a:latin typeface="+mn-ea"/>
+              </a:rPr>
+              <a:t>메인 역할 분담 </a:t>
+            </a:r>
+            <a:r>
+              <a:rPr lang="en-US" altLang="ko-KR" dirty="0">
+                <a:latin typeface="+mn-ea"/>
+              </a:rPr>
+              <a:t>(</a:t>
+            </a:r>
+            <a:r>
+              <a:rPr lang="ko-KR" altLang="en-US" dirty="0">
+                <a:latin typeface="+mn-ea"/>
+              </a:rPr>
+              <a:t>로직 구현 </a:t>
+            </a:r>
+            <a:r>
+              <a:rPr lang="en-US" altLang="ko-KR" dirty="0">
+                <a:latin typeface="+mn-ea"/>
+              </a:rPr>
+              <a:t>/</a:t>
+            </a:r>
+            <a:r>
+              <a:rPr lang="ko-KR" altLang="en-US" dirty="0">
+                <a:latin typeface="+mn-ea"/>
+              </a:rPr>
+              <a:t> 웹</a:t>
+            </a:r>
+            <a:r>
+              <a:rPr lang="en-US" altLang="ko-KR" dirty="0">
+                <a:latin typeface="+mn-ea"/>
+              </a:rPr>
+              <a:t>or</a:t>
+            </a:r>
+            <a:r>
+              <a:rPr lang="ko-KR" altLang="en-US" dirty="0">
+                <a:latin typeface="+mn-ea"/>
+              </a:rPr>
+              <a:t>앱 </a:t>
+            </a:r>
+            <a:r>
+              <a:rPr lang="en-US" altLang="ko-KR" dirty="0">
+                <a:latin typeface="+mn-ea"/>
+              </a:rPr>
+              <a:t>Frontend</a:t>
+            </a:r>
+            <a:r>
+              <a:rPr lang="ko-KR" altLang="en-US" dirty="0">
+                <a:latin typeface="+mn-ea"/>
+              </a:rPr>
+              <a:t> </a:t>
+            </a:r>
+            <a:r>
+              <a:rPr lang="en-US" altLang="ko-KR" dirty="0">
+                <a:latin typeface="+mn-ea"/>
+              </a:rPr>
+              <a:t>/</a:t>
+            </a:r>
+            <a:r>
+              <a:rPr lang="ko-KR" altLang="en-US" dirty="0">
+                <a:latin typeface="+mn-ea"/>
+              </a:rPr>
+              <a:t> 로직 </a:t>
+            </a:r>
+            <a:r>
+              <a:rPr lang="en-US" altLang="ko-KR" dirty="0">
+                <a:latin typeface="+mn-ea"/>
+              </a:rPr>
+              <a:t>+</a:t>
+            </a:r>
+            <a:r>
+              <a:rPr lang="ko-KR" altLang="en-US" dirty="0">
+                <a:latin typeface="+mn-ea"/>
+              </a:rPr>
+              <a:t> 웹</a:t>
+            </a:r>
+            <a:r>
+              <a:rPr lang="en-US" altLang="ko-KR" dirty="0">
+                <a:latin typeface="+mn-ea"/>
+              </a:rPr>
+              <a:t>or</a:t>
+            </a:r>
+            <a:r>
+              <a:rPr lang="ko-KR" altLang="en-US" dirty="0">
+                <a:latin typeface="+mn-ea"/>
+              </a:rPr>
+              <a:t>앱 연결 </a:t>
+            </a:r>
+            <a:r>
+              <a:rPr lang="en-US" altLang="ko-KR" dirty="0">
+                <a:latin typeface="+mn-ea"/>
+              </a:rPr>
+              <a:t>/</a:t>
+            </a:r>
+            <a:r>
+              <a:rPr lang="ko-KR" altLang="en-US" dirty="0">
+                <a:latin typeface="+mn-ea"/>
+              </a:rPr>
+              <a:t> </a:t>
+            </a:r>
+            <a:r>
+              <a:rPr lang="en-US" altLang="ko-KR" dirty="0">
+                <a:latin typeface="+mn-ea"/>
+              </a:rPr>
+              <a:t>Database?)</a:t>
+            </a:r>
+          </a:p>
+          <a:p>
+            <a:pPr lvl="1">
+              <a:buSzPct val="100000"/>
+            </a:pPr>
+            <a:r>
+              <a:rPr lang="ko-KR" altLang="en-US" dirty="0">
+                <a:latin typeface="+mn-ea"/>
+              </a:rPr>
+              <a:t>서브 역할 배정 </a:t>
+            </a:r>
+            <a:r>
+              <a:rPr lang="en-US" altLang="ko-KR" dirty="0">
+                <a:latin typeface="+mn-ea"/>
+              </a:rPr>
+              <a:t>(</a:t>
+            </a:r>
+            <a:r>
+              <a:rPr lang="ko-KR" altLang="en-US" dirty="0">
+                <a:latin typeface="+mn-ea"/>
+              </a:rPr>
+              <a:t>회의 문서 관리 </a:t>
+            </a:r>
+            <a:r>
+              <a:rPr lang="en-US" altLang="ko-KR" dirty="0">
+                <a:latin typeface="+mn-ea"/>
+              </a:rPr>
+              <a:t>/</a:t>
+            </a:r>
+            <a:r>
+              <a:rPr lang="ko-KR" altLang="en-US" dirty="0">
+                <a:latin typeface="+mn-ea"/>
+              </a:rPr>
+              <a:t> </a:t>
+            </a:r>
+            <a:r>
+              <a:rPr lang="en-US" altLang="ko-KR" dirty="0">
+                <a:latin typeface="+mn-ea"/>
+              </a:rPr>
+              <a:t>Scrum Master / </a:t>
+            </a:r>
+            <a:r>
+              <a:rPr lang="ko-KR" altLang="en-US" dirty="0">
+                <a:latin typeface="+mn-ea"/>
+              </a:rPr>
+              <a:t>발표 자료 제작 등</a:t>
+            </a:r>
+            <a:r>
+              <a:rPr lang="en-US" altLang="ko-KR" dirty="0">
+                <a:latin typeface="+mn-ea"/>
+              </a:rPr>
+              <a:t>)</a:t>
+            </a:r>
           </a:p>
         </p:txBody>
       </p:sp>

--- a/document/outline.pptx
+++ b/document/outline.pptx
@@ -355,7 +355,7 @@
           <a:p>
             <a:fld id="{278EEAA6-7FCA-46E4-BA89-848786702478}" type="datetimeFigureOut">
               <a:rPr lang="ko-KR" altLang="en-US" smtClean="0"/>
-              <a:t>2023. 3. 30.</a:t>
+              <a:t>2023-03-31</a:t>
             </a:fld>
             <a:endParaRPr lang="ko-KR" altLang="en-US"/>
           </a:p>
@@ -1273,7 +1273,7 @@
           <a:p>
             <a:fld id="{7CAE4A5B-EA50-4A37-A5DB-83CF8B769BA8}" type="datetime1">
               <a:rPr lang="ko-KR" altLang="en-US" smtClean="0"/>
-              <a:t>2023. 3. 30.</a:t>
+              <a:t>2023-03-31</a:t>
             </a:fld>
             <a:endParaRPr lang="ko-KR" altLang="en-US"/>
           </a:p>
@@ -1471,7 +1471,7 @@
           <a:p>
             <a:fld id="{9161804F-A4F0-45C6-8263-8E92672AE24F}" type="datetime1">
               <a:rPr lang="ko-KR" altLang="en-US" smtClean="0"/>
-              <a:t>2023. 3. 30.</a:t>
+              <a:t>2023-03-31</a:t>
             </a:fld>
             <a:endParaRPr lang="ko-KR" altLang="en-US"/>
           </a:p>
@@ -1679,7 +1679,7 @@
           <a:p>
             <a:fld id="{408B7902-B623-4505-847A-8F959D37202D}" type="datetime1">
               <a:rPr lang="ko-KR" altLang="en-US" smtClean="0"/>
-              <a:t>2023. 3. 30.</a:t>
+              <a:t>2023-03-31</a:t>
             </a:fld>
             <a:endParaRPr lang="ko-KR" altLang="en-US"/>
           </a:p>
@@ -1941,7 +1941,7 @@
           <a:p>
             <a:fld id="{B33A0EBF-B8FA-46FE-9A33-688790427F5A}" type="datetime1">
               <a:rPr lang="ko-KR" altLang="en-US" smtClean="0"/>
-              <a:t>2023. 3. 30.</a:t>
+              <a:t>2023-03-31</a:t>
             </a:fld>
             <a:endParaRPr lang="ko-KR" altLang="en-US"/>
           </a:p>
@@ -2260,7 +2260,7 @@
           <a:p>
             <a:fld id="{C1EEAA46-00AF-4A93-B29C-03A14440DF77}" type="datetime1">
               <a:rPr lang="ko-KR" altLang="en-US" smtClean="0"/>
-              <a:t>2023. 3. 30.</a:t>
+              <a:t>2023-03-31</a:t>
             </a:fld>
             <a:endParaRPr lang="ko-KR" altLang="en-US"/>
           </a:p>
@@ -2525,7 +2525,7 @@
           <a:p>
             <a:fld id="{E049F58D-0561-4F18-8EAC-5F94EDD54A2B}" type="datetime1">
               <a:rPr lang="ko-KR" altLang="en-US" smtClean="0"/>
-              <a:t>2023. 3. 30.</a:t>
+              <a:t>2023-03-31</a:t>
             </a:fld>
             <a:endParaRPr lang="ko-KR" altLang="en-US"/>
           </a:p>
@@ -2937,7 +2937,7 @@
           <a:p>
             <a:fld id="{0FA9DF00-1249-4920-9807-BFB4C9748C0D}" type="datetime1">
               <a:rPr lang="ko-KR" altLang="en-US" smtClean="0"/>
-              <a:t>2023. 3. 30.</a:t>
+              <a:t>2023-03-31</a:t>
             </a:fld>
             <a:endParaRPr lang="ko-KR" altLang="en-US"/>
           </a:p>
@@ -3078,7 +3078,7 @@
           <a:p>
             <a:fld id="{B43D90DB-FDA5-4E45-B0AF-168E78970A03}" type="datetime1">
               <a:rPr lang="ko-KR" altLang="en-US" smtClean="0"/>
-              <a:t>2023. 3. 30.</a:t>
+              <a:t>2023-03-31</a:t>
             </a:fld>
             <a:endParaRPr lang="ko-KR" altLang="en-US"/>
           </a:p>
@@ -3191,7 +3191,7 @@
           <a:p>
             <a:fld id="{90B5EACD-2952-4831-BB4C-52AA33B36109}" type="datetime1">
               <a:rPr lang="ko-KR" altLang="en-US" smtClean="0"/>
-              <a:t>2023. 3. 30.</a:t>
+              <a:t>2023-03-31</a:t>
             </a:fld>
             <a:endParaRPr lang="ko-KR" altLang="en-US"/>
           </a:p>
@@ -3502,7 +3502,7 @@
           <a:p>
             <a:fld id="{683928F4-3C7A-440C-A1BA-64042E5BB63B}" type="datetime1">
               <a:rPr lang="ko-KR" altLang="en-US" smtClean="0"/>
-              <a:t>2023. 3. 30.</a:t>
+              <a:t>2023-03-31</a:t>
             </a:fld>
             <a:endParaRPr lang="ko-KR" altLang="en-US"/>
           </a:p>
@@ -3790,7 +3790,7 @@
           <a:p>
             <a:fld id="{A6C85B86-9D77-405B-96F3-8FA03801D458}" type="datetime1">
               <a:rPr lang="ko-KR" altLang="en-US" smtClean="0"/>
-              <a:t>2023. 3. 30.</a:t>
+              <a:t>2023-03-31</a:t>
             </a:fld>
             <a:endParaRPr lang="ko-KR" altLang="en-US"/>
           </a:p>
@@ -4031,7 +4031,7 @@
           <a:p>
             <a:fld id="{74E560CD-E3B1-4A94-B498-66FF918E3537}" type="datetime1">
               <a:rPr lang="ko-KR" altLang="en-US" smtClean="0"/>
-              <a:t>2023. 3. 30.</a:t>
+              <a:t>2023-03-31</a:t>
             </a:fld>
             <a:endParaRPr lang="ko-KR" altLang="en-US"/>
           </a:p>
@@ -4766,10 +4766,16 @@
               <a:t> </a:t>
             </a:r>
             <a:r>
-              <a:rPr lang="en-US" altLang="ko-KR" dirty="0">
-                <a:latin typeface="+mn-ea"/>
-              </a:rPr>
-              <a:t>NIP(</a:t>
+              <a:rPr lang="en-US" altLang="ko-KR">
+                <a:latin typeface="+mn-ea"/>
+              </a:rPr>
+              <a:t>NLP</a:t>
+            </a:r>
+            <a:r>
+              <a:rPr lang="en-US" altLang="ko-KR" dirty="0">
+                <a:latin typeface="+mn-ea"/>
+              </a:rPr>
+              <a:t>(</a:t>
             </a:r>
             <a:r>
               <a:rPr lang="ko-KR" altLang="en-US" dirty="0">
